--- a/ppt 16-9/1478.心中两个王.pptx
+++ b/ppt 16-9/1478.心中两个王.pptx
@@ -129,7 +129,7 @@
           <p:cNvPr id="2" name="标题 1">
             <a:extLst>
               <a:ext uri="{FF2B5EF4-FFF2-40B4-BE49-F238E27FC236}">
-                <a16:creationId xmlns:a16="http://schemas.microsoft.com/office/drawing/2014/main" id="{5A578F5E-7EB5-DEF3-424D-041863F6EF28}"/>
+                <a16:creationId xmlns:a16="http://schemas.microsoft.com/office/drawing/2014/main" id="{FF0F4E1C-08A0-E631-6C28-139652A76255}"/>
               </a:ext>
             </a:extLst>
           </p:cNvPr>
@@ -166,7 +166,7 @@
           <p:cNvPr id="3" name="副标题 2">
             <a:extLst>
               <a:ext uri="{FF2B5EF4-FFF2-40B4-BE49-F238E27FC236}">
-                <a16:creationId xmlns:a16="http://schemas.microsoft.com/office/drawing/2014/main" id="{B7590E96-8593-3DED-89B3-522D348B20DE}"/>
+                <a16:creationId xmlns:a16="http://schemas.microsoft.com/office/drawing/2014/main" id="{DDD4586C-46BA-CE7D-4751-DB735B48F307}"/>
               </a:ext>
             </a:extLst>
           </p:cNvPr>
@@ -236,7 +236,7 @@
           <p:cNvPr id="4" name="日期占位符 3">
             <a:extLst>
               <a:ext uri="{FF2B5EF4-FFF2-40B4-BE49-F238E27FC236}">
-                <a16:creationId xmlns:a16="http://schemas.microsoft.com/office/drawing/2014/main" id="{18CEDA01-DD08-BFF7-74A3-B5E62FB51A09}"/>
+                <a16:creationId xmlns:a16="http://schemas.microsoft.com/office/drawing/2014/main" id="{3D587264-90CF-6C5B-723D-2C6DC63885CB}"/>
               </a:ext>
             </a:extLst>
           </p:cNvPr>
@@ -252,7 +252,7 @@
           <a:bodyPr/>
           <a:lstStyle/>
           <a:p>
-            <a:fld id="{50BD1D63-B932-47A4-912C-20AF257E3569}" type="datetimeFigureOut">
+            <a:fld id="{80606E19-B9F6-4C64-8F9A-4574571C40DB}" type="datetimeFigureOut">
               <a:rPr lang="zh-CN" altLang="en-US" smtClean="0"/>
               <a:t>2024/3/10</a:t>
             </a:fld>
@@ -265,7 +265,7 @@
           <p:cNvPr id="5" name="页脚占位符 4">
             <a:extLst>
               <a:ext uri="{FF2B5EF4-FFF2-40B4-BE49-F238E27FC236}">
-                <a16:creationId xmlns:a16="http://schemas.microsoft.com/office/drawing/2014/main" id="{67B67C40-72A3-98FC-C8E1-4AFFEBA0B82C}"/>
+                <a16:creationId xmlns:a16="http://schemas.microsoft.com/office/drawing/2014/main" id="{3CBD8AF0-1F17-3402-ABDD-CF55BA25020E}"/>
               </a:ext>
             </a:extLst>
           </p:cNvPr>
@@ -290,7 +290,7 @@
           <p:cNvPr id="6" name="灯片编号占位符 5">
             <a:extLst>
               <a:ext uri="{FF2B5EF4-FFF2-40B4-BE49-F238E27FC236}">
-                <a16:creationId xmlns:a16="http://schemas.microsoft.com/office/drawing/2014/main" id="{D0242783-0D4C-F50A-3179-4285AAC5DE48}"/>
+                <a16:creationId xmlns:a16="http://schemas.microsoft.com/office/drawing/2014/main" id="{9FC04D16-A90F-0298-BBDD-5DE822C36CED}"/>
               </a:ext>
             </a:extLst>
           </p:cNvPr>
@@ -306,7 +306,7 @@
           <a:bodyPr/>
           <a:lstStyle/>
           <a:p>
-            <a:fld id="{23E8419D-F669-4906-84D1-92836ED048BD}" type="slidenum">
+            <a:fld id="{8ED5831E-7DF1-486A-B6A3-D53BE923FB2F}" type="slidenum">
               <a:rPr lang="zh-CN" altLang="en-US" smtClean="0"/>
               <a:t>‹#›</a:t>
             </a:fld>
@@ -317,7 +317,7 @@
     </p:spTree>
     <p:extLst>
       <p:ext uri="{BB962C8B-B14F-4D97-AF65-F5344CB8AC3E}">
-        <p14:creationId xmlns:p14="http://schemas.microsoft.com/office/powerpoint/2010/main" val="834634881"/>
+        <p14:creationId xmlns:p14="http://schemas.microsoft.com/office/powerpoint/2010/main" val="1363287420"/>
       </p:ext>
     </p:extLst>
   </p:cSld>
@@ -349,7 +349,7 @@
           <p:cNvPr id="2" name="标题 1">
             <a:extLst>
               <a:ext uri="{FF2B5EF4-FFF2-40B4-BE49-F238E27FC236}">
-                <a16:creationId xmlns:a16="http://schemas.microsoft.com/office/drawing/2014/main" id="{1317B1EC-0A25-F45D-1696-79FF318FEDF5}"/>
+                <a16:creationId xmlns:a16="http://schemas.microsoft.com/office/drawing/2014/main" id="{34793D22-3FDB-CE03-8D2C-C2C8C89BB58E}"/>
               </a:ext>
             </a:extLst>
           </p:cNvPr>
@@ -377,7 +377,7 @@
           <p:cNvPr id="3" name="竖排文字占位符 2">
             <a:extLst>
               <a:ext uri="{FF2B5EF4-FFF2-40B4-BE49-F238E27FC236}">
-                <a16:creationId xmlns:a16="http://schemas.microsoft.com/office/drawing/2014/main" id="{AB68E833-73D7-6968-C30D-C7B27C3BC2AA}"/>
+                <a16:creationId xmlns:a16="http://schemas.microsoft.com/office/drawing/2014/main" id="{4AB7C0E8-DA17-7F48-285F-2E5F7EA37993}"/>
               </a:ext>
             </a:extLst>
           </p:cNvPr>
@@ -434,7 +434,7 @@
           <p:cNvPr id="4" name="日期占位符 3">
             <a:extLst>
               <a:ext uri="{FF2B5EF4-FFF2-40B4-BE49-F238E27FC236}">
-                <a16:creationId xmlns:a16="http://schemas.microsoft.com/office/drawing/2014/main" id="{CE10E8F7-B4AA-AEB7-FEC5-5106F74A7875}"/>
+                <a16:creationId xmlns:a16="http://schemas.microsoft.com/office/drawing/2014/main" id="{D9FD082F-4F93-2F2D-EE53-21D2EC6D8BFA}"/>
               </a:ext>
             </a:extLst>
           </p:cNvPr>
@@ -450,7 +450,7 @@
           <a:bodyPr/>
           <a:lstStyle/>
           <a:p>
-            <a:fld id="{50BD1D63-B932-47A4-912C-20AF257E3569}" type="datetimeFigureOut">
+            <a:fld id="{80606E19-B9F6-4C64-8F9A-4574571C40DB}" type="datetimeFigureOut">
               <a:rPr lang="zh-CN" altLang="en-US" smtClean="0"/>
               <a:t>2024/3/10</a:t>
             </a:fld>
@@ -463,7 +463,7 @@
           <p:cNvPr id="5" name="页脚占位符 4">
             <a:extLst>
               <a:ext uri="{FF2B5EF4-FFF2-40B4-BE49-F238E27FC236}">
-                <a16:creationId xmlns:a16="http://schemas.microsoft.com/office/drawing/2014/main" id="{5D35FB23-1A82-6D81-DB8B-E0AD6E9C55F4}"/>
+                <a16:creationId xmlns:a16="http://schemas.microsoft.com/office/drawing/2014/main" id="{337AD6AA-2A09-D9B8-C54F-B6F0F396B008}"/>
               </a:ext>
             </a:extLst>
           </p:cNvPr>
@@ -488,7 +488,7 @@
           <p:cNvPr id="6" name="灯片编号占位符 5">
             <a:extLst>
               <a:ext uri="{FF2B5EF4-FFF2-40B4-BE49-F238E27FC236}">
-                <a16:creationId xmlns:a16="http://schemas.microsoft.com/office/drawing/2014/main" id="{2E81787D-7115-0628-353F-C9971ABEB6D5}"/>
+                <a16:creationId xmlns:a16="http://schemas.microsoft.com/office/drawing/2014/main" id="{A353AE49-8C09-9C2E-7A8C-C1BF217FB52F}"/>
               </a:ext>
             </a:extLst>
           </p:cNvPr>
@@ -504,7 +504,7 @@
           <a:bodyPr/>
           <a:lstStyle/>
           <a:p>
-            <a:fld id="{23E8419D-F669-4906-84D1-92836ED048BD}" type="slidenum">
+            <a:fld id="{8ED5831E-7DF1-486A-B6A3-D53BE923FB2F}" type="slidenum">
               <a:rPr lang="zh-CN" altLang="en-US" smtClean="0"/>
               <a:t>‹#›</a:t>
             </a:fld>
@@ -515,7 +515,7 @@
     </p:spTree>
     <p:extLst>
       <p:ext uri="{BB962C8B-B14F-4D97-AF65-F5344CB8AC3E}">
-        <p14:creationId xmlns:p14="http://schemas.microsoft.com/office/powerpoint/2010/main" val="598957886"/>
+        <p14:creationId xmlns:p14="http://schemas.microsoft.com/office/powerpoint/2010/main" val="373470208"/>
       </p:ext>
     </p:extLst>
   </p:cSld>
@@ -547,7 +547,7 @@
           <p:cNvPr id="2" name="竖排标题 1">
             <a:extLst>
               <a:ext uri="{FF2B5EF4-FFF2-40B4-BE49-F238E27FC236}">
-                <a16:creationId xmlns:a16="http://schemas.microsoft.com/office/drawing/2014/main" id="{215F6FBF-D34E-9508-204F-A896E576EFC1}"/>
+                <a16:creationId xmlns:a16="http://schemas.microsoft.com/office/drawing/2014/main" id="{790334EA-D7F4-F059-257E-1580393563C1}"/>
               </a:ext>
             </a:extLst>
           </p:cNvPr>
@@ -580,7 +580,7 @@
           <p:cNvPr id="3" name="竖排文字占位符 2">
             <a:extLst>
               <a:ext uri="{FF2B5EF4-FFF2-40B4-BE49-F238E27FC236}">
-                <a16:creationId xmlns:a16="http://schemas.microsoft.com/office/drawing/2014/main" id="{CA9AA07F-D669-CD1D-7F4F-9FC650A39F82}"/>
+                <a16:creationId xmlns:a16="http://schemas.microsoft.com/office/drawing/2014/main" id="{56A32D72-5FBC-DEAA-3A91-24DB4D985E1C}"/>
               </a:ext>
             </a:extLst>
           </p:cNvPr>
@@ -642,7 +642,7 @@
           <p:cNvPr id="4" name="日期占位符 3">
             <a:extLst>
               <a:ext uri="{FF2B5EF4-FFF2-40B4-BE49-F238E27FC236}">
-                <a16:creationId xmlns:a16="http://schemas.microsoft.com/office/drawing/2014/main" id="{D41BB227-62BD-2952-D7A0-007DDE5C9EDE}"/>
+                <a16:creationId xmlns:a16="http://schemas.microsoft.com/office/drawing/2014/main" id="{F4E27273-18F3-651C-C6D7-204F50767693}"/>
               </a:ext>
             </a:extLst>
           </p:cNvPr>
@@ -658,7 +658,7 @@
           <a:bodyPr/>
           <a:lstStyle/>
           <a:p>
-            <a:fld id="{50BD1D63-B932-47A4-912C-20AF257E3569}" type="datetimeFigureOut">
+            <a:fld id="{80606E19-B9F6-4C64-8F9A-4574571C40DB}" type="datetimeFigureOut">
               <a:rPr lang="zh-CN" altLang="en-US" smtClean="0"/>
               <a:t>2024/3/10</a:t>
             </a:fld>
@@ -671,7 +671,7 @@
           <p:cNvPr id="5" name="页脚占位符 4">
             <a:extLst>
               <a:ext uri="{FF2B5EF4-FFF2-40B4-BE49-F238E27FC236}">
-                <a16:creationId xmlns:a16="http://schemas.microsoft.com/office/drawing/2014/main" id="{2DB06C44-26E3-3F33-BF51-0507758FBB8A}"/>
+                <a16:creationId xmlns:a16="http://schemas.microsoft.com/office/drawing/2014/main" id="{4EC58CBE-8E49-FE39-A4C6-6FCC5663D6A2}"/>
               </a:ext>
             </a:extLst>
           </p:cNvPr>
@@ -696,7 +696,7 @@
           <p:cNvPr id="6" name="灯片编号占位符 5">
             <a:extLst>
               <a:ext uri="{FF2B5EF4-FFF2-40B4-BE49-F238E27FC236}">
-                <a16:creationId xmlns:a16="http://schemas.microsoft.com/office/drawing/2014/main" id="{7F6D3384-ADB7-648E-B41E-B7D40A3C7E6F}"/>
+                <a16:creationId xmlns:a16="http://schemas.microsoft.com/office/drawing/2014/main" id="{7BC74DBD-443D-58E8-1A33-86A6E8018DC3}"/>
               </a:ext>
             </a:extLst>
           </p:cNvPr>
@@ -712,7 +712,7 @@
           <a:bodyPr/>
           <a:lstStyle/>
           <a:p>
-            <a:fld id="{23E8419D-F669-4906-84D1-92836ED048BD}" type="slidenum">
+            <a:fld id="{8ED5831E-7DF1-486A-B6A3-D53BE923FB2F}" type="slidenum">
               <a:rPr lang="zh-CN" altLang="en-US" smtClean="0"/>
               <a:t>‹#›</a:t>
             </a:fld>
@@ -723,7 +723,7 @@
     </p:spTree>
     <p:extLst>
       <p:ext uri="{BB962C8B-B14F-4D97-AF65-F5344CB8AC3E}">
-        <p14:creationId xmlns:p14="http://schemas.microsoft.com/office/powerpoint/2010/main" val="149426908"/>
+        <p14:creationId xmlns:p14="http://schemas.microsoft.com/office/powerpoint/2010/main" val="3914552853"/>
       </p:ext>
     </p:extLst>
   </p:cSld>
@@ -755,7 +755,7 @@
           <p:cNvPr id="2" name="标题 1">
             <a:extLst>
               <a:ext uri="{FF2B5EF4-FFF2-40B4-BE49-F238E27FC236}">
-                <a16:creationId xmlns:a16="http://schemas.microsoft.com/office/drawing/2014/main" id="{9127CE76-F4DF-7984-48F8-35DDBD8ED81C}"/>
+                <a16:creationId xmlns:a16="http://schemas.microsoft.com/office/drawing/2014/main" id="{DD605D7B-F3F3-FFFD-4A39-20EB2331D3A2}"/>
               </a:ext>
             </a:extLst>
           </p:cNvPr>
@@ -783,7 +783,7 @@
           <p:cNvPr id="3" name="内容占位符 2">
             <a:extLst>
               <a:ext uri="{FF2B5EF4-FFF2-40B4-BE49-F238E27FC236}">
-                <a16:creationId xmlns:a16="http://schemas.microsoft.com/office/drawing/2014/main" id="{B2E94572-E2C9-DB00-9D0B-C668CE64CBDD}"/>
+                <a16:creationId xmlns:a16="http://schemas.microsoft.com/office/drawing/2014/main" id="{E2E8D5F7-416C-2789-27D3-3B9B82E7B81C}"/>
               </a:ext>
             </a:extLst>
           </p:cNvPr>
@@ -840,7 +840,7 @@
           <p:cNvPr id="4" name="日期占位符 3">
             <a:extLst>
               <a:ext uri="{FF2B5EF4-FFF2-40B4-BE49-F238E27FC236}">
-                <a16:creationId xmlns:a16="http://schemas.microsoft.com/office/drawing/2014/main" id="{709CA2F9-7664-B1D8-BE88-8E4C50FA83FE}"/>
+                <a16:creationId xmlns:a16="http://schemas.microsoft.com/office/drawing/2014/main" id="{F3C6F131-0937-E18B-5926-C8265FECA365}"/>
               </a:ext>
             </a:extLst>
           </p:cNvPr>
@@ -856,7 +856,7 @@
           <a:bodyPr/>
           <a:lstStyle/>
           <a:p>
-            <a:fld id="{50BD1D63-B932-47A4-912C-20AF257E3569}" type="datetimeFigureOut">
+            <a:fld id="{80606E19-B9F6-4C64-8F9A-4574571C40DB}" type="datetimeFigureOut">
               <a:rPr lang="zh-CN" altLang="en-US" smtClean="0"/>
               <a:t>2024/3/10</a:t>
             </a:fld>
@@ -869,7 +869,7 @@
           <p:cNvPr id="5" name="页脚占位符 4">
             <a:extLst>
               <a:ext uri="{FF2B5EF4-FFF2-40B4-BE49-F238E27FC236}">
-                <a16:creationId xmlns:a16="http://schemas.microsoft.com/office/drawing/2014/main" id="{CA83D260-E69D-E119-C6E8-0720426B226D}"/>
+                <a16:creationId xmlns:a16="http://schemas.microsoft.com/office/drawing/2014/main" id="{2122B67F-0DFA-D58C-4980-16D40B2C7BEE}"/>
               </a:ext>
             </a:extLst>
           </p:cNvPr>
@@ -894,7 +894,7 @@
           <p:cNvPr id="6" name="灯片编号占位符 5">
             <a:extLst>
               <a:ext uri="{FF2B5EF4-FFF2-40B4-BE49-F238E27FC236}">
-                <a16:creationId xmlns:a16="http://schemas.microsoft.com/office/drawing/2014/main" id="{3BE38AED-6835-E4D6-797D-E66A67EEC9B1}"/>
+                <a16:creationId xmlns:a16="http://schemas.microsoft.com/office/drawing/2014/main" id="{075AF484-E0A4-C29C-3A26-0F7C847CB12C}"/>
               </a:ext>
             </a:extLst>
           </p:cNvPr>
@@ -910,7 +910,7 @@
           <a:bodyPr/>
           <a:lstStyle/>
           <a:p>
-            <a:fld id="{23E8419D-F669-4906-84D1-92836ED048BD}" type="slidenum">
+            <a:fld id="{8ED5831E-7DF1-486A-B6A3-D53BE923FB2F}" type="slidenum">
               <a:rPr lang="zh-CN" altLang="en-US" smtClean="0"/>
               <a:t>‹#›</a:t>
             </a:fld>
@@ -921,7 +921,7 @@
     </p:spTree>
     <p:extLst>
       <p:ext uri="{BB962C8B-B14F-4D97-AF65-F5344CB8AC3E}">
-        <p14:creationId xmlns:p14="http://schemas.microsoft.com/office/powerpoint/2010/main" val="3929594636"/>
+        <p14:creationId xmlns:p14="http://schemas.microsoft.com/office/powerpoint/2010/main" val="3631514235"/>
       </p:ext>
     </p:extLst>
   </p:cSld>
@@ -953,7 +953,7 @@
           <p:cNvPr id="2" name="标题 1">
             <a:extLst>
               <a:ext uri="{FF2B5EF4-FFF2-40B4-BE49-F238E27FC236}">
-                <a16:creationId xmlns:a16="http://schemas.microsoft.com/office/drawing/2014/main" id="{65529A6B-5CAB-BB76-9657-66A019B32A82}"/>
+                <a16:creationId xmlns:a16="http://schemas.microsoft.com/office/drawing/2014/main" id="{549A3125-4DDB-FAE9-3F12-2BCF7A9850F6}"/>
               </a:ext>
             </a:extLst>
           </p:cNvPr>
@@ -990,7 +990,7 @@
           <p:cNvPr id="3" name="文本占位符 2">
             <a:extLst>
               <a:ext uri="{FF2B5EF4-FFF2-40B4-BE49-F238E27FC236}">
-                <a16:creationId xmlns:a16="http://schemas.microsoft.com/office/drawing/2014/main" id="{61C9ABBA-ADBC-7B31-7443-6A36FD6CDE72}"/>
+                <a16:creationId xmlns:a16="http://schemas.microsoft.com/office/drawing/2014/main" id="{B844BD2F-1FE6-0EF3-0E49-BEC3587AFD74}"/>
               </a:ext>
             </a:extLst>
           </p:cNvPr>
@@ -1115,7 +1115,7 @@
           <p:cNvPr id="4" name="日期占位符 3">
             <a:extLst>
               <a:ext uri="{FF2B5EF4-FFF2-40B4-BE49-F238E27FC236}">
-                <a16:creationId xmlns:a16="http://schemas.microsoft.com/office/drawing/2014/main" id="{84640F75-2CDE-F793-9D40-DA9C691DBA2C}"/>
+                <a16:creationId xmlns:a16="http://schemas.microsoft.com/office/drawing/2014/main" id="{DB219716-FF64-526D-1A58-612DEB4FDD80}"/>
               </a:ext>
             </a:extLst>
           </p:cNvPr>
@@ -1131,7 +1131,7 @@
           <a:bodyPr/>
           <a:lstStyle/>
           <a:p>
-            <a:fld id="{50BD1D63-B932-47A4-912C-20AF257E3569}" type="datetimeFigureOut">
+            <a:fld id="{80606E19-B9F6-4C64-8F9A-4574571C40DB}" type="datetimeFigureOut">
               <a:rPr lang="zh-CN" altLang="en-US" smtClean="0"/>
               <a:t>2024/3/10</a:t>
             </a:fld>
@@ -1144,7 +1144,7 @@
           <p:cNvPr id="5" name="页脚占位符 4">
             <a:extLst>
               <a:ext uri="{FF2B5EF4-FFF2-40B4-BE49-F238E27FC236}">
-                <a16:creationId xmlns:a16="http://schemas.microsoft.com/office/drawing/2014/main" id="{A41277BC-B42A-0C93-86DF-05C4C247E796}"/>
+                <a16:creationId xmlns:a16="http://schemas.microsoft.com/office/drawing/2014/main" id="{BD13C831-4DB4-0BBC-9FE5-4FBF049D74AE}"/>
               </a:ext>
             </a:extLst>
           </p:cNvPr>
@@ -1169,7 +1169,7 @@
           <p:cNvPr id="6" name="灯片编号占位符 5">
             <a:extLst>
               <a:ext uri="{FF2B5EF4-FFF2-40B4-BE49-F238E27FC236}">
-                <a16:creationId xmlns:a16="http://schemas.microsoft.com/office/drawing/2014/main" id="{84E869AC-F413-F8A9-255B-8FCA617CD927}"/>
+                <a16:creationId xmlns:a16="http://schemas.microsoft.com/office/drawing/2014/main" id="{7B6028B5-8198-B677-212B-B086E7C9F77D}"/>
               </a:ext>
             </a:extLst>
           </p:cNvPr>
@@ -1185,7 +1185,7 @@
           <a:bodyPr/>
           <a:lstStyle/>
           <a:p>
-            <a:fld id="{23E8419D-F669-4906-84D1-92836ED048BD}" type="slidenum">
+            <a:fld id="{8ED5831E-7DF1-486A-B6A3-D53BE923FB2F}" type="slidenum">
               <a:rPr lang="zh-CN" altLang="en-US" smtClean="0"/>
               <a:t>‹#›</a:t>
             </a:fld>
@@ -1196,7 +1196,7 @@
     </p:spTree>
     <p:extLst>
       <p:ext uri="{BB962C8B-B14F-4D97-AF65-F5344CB8AC3E}">
-        <p14:creationId xmlns:p14="http://schemas.microsoft.com/office/powerpoint/2010/main" val="599908092"/>
+        <p14:creationId xmlns:p14="http://schemas.microsoft.com/office/powerpoint/2010/main" val="894219337"/>
       </p:ext>
     </p:extLst>
   </p:cSld>
@@ -1228,7 +1228,7 @@
           <p:cNvPr id="2" name="标题 1">
             <a:extLst>
               <a:ext uri="{FF2B5EF4-FFF2-40B4-BE49-F238E27FC236}">
-                <a16:creationId xmlns:a16="http://schemas.microsoft.com/office/drawing/2014/main" id="{758B6633-341F-3A48-9E17-9B19A3EAA650}"/>
+                <a16:creationId xmlns:a16="http://schemas.microsoft.com/office/drawing/2014/main" id="{DA2E8919-73A7-A68A-DB03-F63423EEA216}"/>
               </a:ext>
             </a:extLst>
           </p:cNvPr>
@@ -1256,7 +1256,7 @@
           <p:cNvPr id="3" name="内容占位符 2">
             <a:extLst>
               <a:ext uri="{FF2B5EF4-FFF2-40B4-BE49-F238E27FC236}">
-                <a16:creationId xmlns:a16="http://schemas.microsoft.com/office/drawing/2014/main" id="{DA823F64-4DF1-DA9A-B10E-733FC2B1D31C}"/>
+                <a16:creationId xmlns:a16="http://schemas.microsoft.com/office/drawing/2014/main" id="{D9B3BFFA-8CC2-3432-8534-6950CEF27230}"/>
               </a:ext>
             </a:extLst>
           </p:cNvPr>
@@ -1318,7 +1318,7 @@
           <p:cNvPr id="4" name="内容占位符 3">
             <a:extLst>
               <a:ext uri="{FF2B5EF4-FFF2-40B4-BE49-F238E27FC236}">
-                <a16:creationId xmlns:a16="http://schemas.microsoft.com/office/drawing/2014/main" id="{7BBA1305-612A-E92F-70E4-46554ACEF908}"/>
+                <a16:creationId xmlns:a16="http://schemas.microsoft.com/office/drawing/2014/main" id="{56A80C42-C279-3812-5810-19B4DED84D8C}"/>
               </a:ext>
             </a:extLst>
           </p:cNvPr>
@@ -1380,7 +1380,7 @@
           <p:cNvPr id="5" name="日期占位符 4">
             <a:extLst>
               <a:ext uri="{FF2B5EF4-FFF2-40B4-BE49-F238E27FC236}">
-                <a16:creationId xmlns:a16="http://schemas.microsoft.com/office/drawing/2014/main" id="{06AA3E64-B597-5584-C2BB-7D08BEFBC705}"/>
+                <a16:creationId xmlns:a16="http://schemas.microsoft.com/office/drawing/2014/main" id="{40720604-F6BA-2431-3774-4B9FCE02139E}"/>
               </a:ext>
             </a:extLst>
           </p:cNvPr>
@@ -1396,7 +1396,7 @@
           <a:bodyPr/>
           <a:lstStyle/>
           <a:p>
-            <a:fld id="{50BD1D63-B932-47A4-912C-20AF257E3569}" type="datetimeFigureOut">
+            <a:fld id="{80606E19-B9F6-4C64-8F9A-4574571C40DB}" type="datetimeFigureOut">
               <a:rPr lang="zh-CN" altLang="en-US" smtClean="0"/>
               <a:t>2024/3/10</a:t>
             </a:fld>
@@ -1409,7 +1409,7 @@
           <p:cNvPr id="6" name="页脚占位符 5">
             <a:extLst>
               <a:ext uri="{FF2B5EF4-FFF2-40B4-BE49-F238E27FC236}">
-                <a16:creationId xmlns:a16="http://schemas.microsoft.com/office/drawing/2014/main" id="{BFA8F30C-D174-A70A-F59D-0394A3FFC03F}"/>
+                <a16:creationId xmlns:a16="http://schemas.microsoft.com/office/drawing/2014/main" id="{7317A483-9DAF-5743-EBC6-A6543FA53B3A}"/>
               </a:ext>
             </a:extLst>
           </p:cNvPr>
@@ -1434,7 +1434,7 @@
           <p:cNvPr id="7" name="灯片编号占位符 6">
             <a:extLst>
               <a:ext uri="{FF2B5EF4-FFF2-40B4-BE49-F238E27FC236}">
-                <a16:creationId xmlns:a16="http://schemas.microsoft.com/office/drawing/2014/main" id="{D3EA8545-3A29-4CF9-4F8C-018F2CF8F55A}"/>
+                <a16:creationId xmlns:a16="http://schemas.microsoft.com/office/drawing/2014/main" id="{1AA587FB-B290-A5BB-4CB0-72269AC74AEB}"/>
               </a:ext>
             </a:extLst>
           </p:cNvPr>
@@ -1450,7 +1450,7 @@
           <a:bodyPr/>
           <a:lstStyle/>
           <a:p>
-            <a:fld id="{23E8419D-F669-4906-84D1-92836ED048BD}" type="slidenum">
+            <a:fld id="{8ED5831E-7DF1-486A-B6A3-D53BE923FB2F}" type="slidenum">
               <a:rPr lang="zh-CN" altLang="en-US" smtClean="0"/>
               <a:t>‹#›</a:t>
             </a:fld>
@@ -1461,7 +1461,7 @@
     </p:spTree>
     <p:extLst>
       <p:ext uri="{BB962C8B-B14F-4D97-AF65-F5344CB8AC3E}">
-        <p14:creationId xmlns:p14="http://schemas.microsoft.com/office/powerpoint/2010/main" val="2277607367"/>
+        <p14:creationId xmlns:p14="http://schemas.microsoft.com/office/powerpoint/2010/main" val="4236652773"/>
       </p:ext>
     </p:extLst>
   </p:cSld>
@@ -1493,7 +1493,7 @@
           <p:cNvPr id="2" name="标题 1">
             <a:extLst>
               <a:ext uri="{FF2B5EF4-FFF2-40B4-BE49-F238E27FC236}">
-                <a16:creationId xmlns:a16="http://schemas.microsoft.com/office/drawing/2014/main" id="{C340970E-FE1F-2952-F086-43CCD70318DA}"/>
+                <a16:creationId xmlns:a16="http://schemas.microsoft.com/office/drawing/2014/main" id="{A93A3E88-C121-5F4E-5447-F640F58A1D15}"/>
               </a:ext>
             </a:extLst>
           </p:cNvPr>
@@ -1526,7 +1526,7 @@
           <p:cNvPr id="3" name="文本占位符 2">
             <a:extLst>
               <a:ext uri="{FF2B5EF4-FFF2-40B4-BE49-F238E27FC236}">
-                <a16:creationId xmlns:a16="http://schemas.microsoft.com/office/drawing/2014/main" id="{4267078E-A3AB-C920-AD1F-CED0FF7A3A28}"/>
+                <a16:creationId xmlns:a16="http://schemas.microsoft.com/office/drawing/2014/main" id="{0DF38F47-3EE0-71FF-4C82-DA5C5AED901B}"/>
               </a:ext>
             </a:extLst>
           </p:cNvPr>
@@ -1597,7 +1597,7 @@
           <p:cNvPr id="4" name="内容占位符 3">
             <a:extLst>
               <a:ext uri="{FF2B5EF4-FFF2-40B4-BE49-F238E27FC236}">
-                <a16:creationId xmlns:a16="http://schemas.microsoft.com/office/drawing/2014/main" id="{F5B76B93-4838-6BBF-EA6C-4870F5CC9A68}"/>
+                <a16:creationId xmlns:a16="http://schemas.microsoft.com/office/drawing/2014/main" id="{BBA73EB5-9F8A-8F2C-581C-5B2F7498AD96}"/>
               </a:ext>
             </a:extLst>
           </p:cNvPr>
@@ -1659,7 +1659,7 @@
           <p:cNvPr id="5" name="文本占位符 4">
             <a:extLst>
               <a:ext uri="{FF2B5EF4-FFF2-40B4-BE49-F238E27FC236}">
-                <a16:creationId xmlns:a16="http://schemas.microsoft.com/office/drawing/2014/main" id="{3D8421BE-F051-0B04-0DC6-F4E27BA94DD0}"/>
+                <a16:creationId xmlns:a16="http://schemas.microsoft.com/office/drawing/2014/main" id="{903DA9D6-0D8B-0584-501B-874AE87254FE}"/>
               </a:ext>
             </a:extLst>
           </p:cNvPr>
@@ -1730,7 +1730,7 @@
           <p:cNvPr id="6" name="内容占位符 5">
             <a:extLst>
               <a:ext uri="{FF2B5EF4-FFF2-40B4-BE49-F238E27FC236}">
-                <a16:creationId xmlns:a16="http://schemas.microsoft.com/office/drawing/2014/main" id="{2A22698F-7203-E898-0EAF-4E628D158B4E}"/>
+                <a16:creationId xmlns:a16="http://schemas.microsoft.com/office/drawing/2014/main" id="{5EC3C3CB-DD35-9F77-CD7C-E234CB472671}"/>
               </a:ext>
             </a:extLst>
           </p:cNvPr>
@@ -1792,7 +1792,7 @@
           <p:cNvPr id="7" name="日期占位符 6">
             <a:extLst>
               <a:ext uri="{FF2B5EF4-FFF2-40B4-BE49-F238E27FC236}">
-                <a16:creationId xmlns:a16="http://schemas.microsoft.com/office/drawing/2014/main" id="{6DA803EE-43E1-1F3C-1096-D447082DF0B8}"/>
+                <a16:creationId xmlns:a16="http://schemas.microsoft.com/office/drawing/2014/main" id="{FFC30426-538C-6981-9B1A-994CB979E21C}"/>
               </a:ext>
             </a:extLst>
           </p:cNvPr>
@@ -1808,7 +1808,7 @@
           <a:bodyPr/>
           <a:lstStyle/>
           <a:p>
-            <a:fld id="{50BD1D63-B932-47A4-912C-20AF257E3569}" type="datetimeFigureOut">
+            <a:fld id="{80606E19-B9F6-4C64-8F9A-4574571C40DB}" type="datetimeFigureOut">
               <a:rPr lang="zh-CN" altLang="en-US" smtClean="0"/>
               <a:t>2024/3/10</a:t>
             </a:fld>
@@ -1821,7 +1821,7 @@
           <p:cNvPr id="8" name="页脚占位符 7">
             <a:extLst>
               <a:ext uri="{FF2B5EF4-FFF2-40B4-BE49-F238E27FC236}">
-                <a16:creationId xmlns:a16="http://schemas.microsoft.com/office/drawing/2014/main" id="{F983FB7B-9364-27E1-4D48-DA94D5727013}"/>
+                <a16:creationId xmlns:a16="http://schemas.microsoft.com/office/drawing/2014/main" id="{BA2F36DC-5DCF-4004-A46C-A24C49F423AD}"/>
               </a:ext>
             </a:extLst>
           </p:cNvPr>
@@ -1846,7 +1846,7 @@
           <p:cNvPr id="9" name="灯片编号占位符 8">
             <a:extLst>
               <a:ext uri="{FF2B5EF4-FFF2-40B4-BE49-F238E27FC236}">
-                <a16:creationId xmlns:a16="http://schemas.microsoft.com/office/drawing/2014/main" id="{804CC75F-377B-D624-5E2A-62E49BC7C964}"/>
+                <a16:creationId xmlns:a16="http://schemas.microsoft.com/office/drawing/2014/main" id="{AC1E42C0-4F86-3DDC-9B4F-F233E86F0C99}"/>
               </a:ext>
             </a:extLst>
           </p:cNvPr>
@@ -1862,7 +1862,7 @@
           <a:bodyPr/>
           <a:lstStyle/>
           <a:p>
-            <a:fld id="{23E8419D-F669-4906-84D1-92836ED048BD}" type="slidenum">
+            <a:fld id="{8ED5831E-7DF1-486A-B6A3-D53BE923FB2F}" type="slidenum">
               <a:rPr lang="zh-CN" altLang="en-US" smtClean="0"/>
               <a:t>‹#›</a:t>
             </a:fld>
@@ -1873,7 +1873,7 @@
     </p:spTree>
     <p:extLst>
       <p:ext uri="{BB962C8B-B14F-4D97-AF65-F5344CB8AC3E}">
-        <p14:creationId xmlns:p14="http://schemas.microsoft.com/office/powerpoint/2010/main" val="1243462776"/>
+        <p14:creationId xmlns:p14="http://schemas.microsoft.com/office/powerpoint/2010/main" val="4066466263"/>
       </p:ext>
     </p:extLst>
   </p:cSld>
@@ -1905,7 +1905,7 @@
           <p:cNvPr id="2" name="标题 1">
             <a:extLst>
               <a:ext uri="{FF2B5EF4-FFF2-40B4-BE49-F238E27FC236}">
-                <a16:creationId xmlns:a16="http://schemas.microsoft.com/office/drawing/2014/main" id="{4E390EAE-49D9-EB59-CDBF-F3D0D06BBAA6}"/>
+                <a16:creationId xmlns:a16="http://schemas.microsoft.com/office/drawing/2014/main" id="{97FB68F9-7FE5-0ECC-E129-ADFC8AA102B3}"/>
               </a:ext>
             </a:extLst>
           </p:cNvPr>
@@ -1933,7 +1933,7 @@
           <p:cNvPr id="3" name="日期占位符 2">
             <a:extLst>
               <a:ext uri="{FF2B5EF4-FFF2-40B4-BE49-F238E27FC236}">
-                <a16:creationId xmlns:a16="http://schemas.microsoft.com/office/drawing/2014/main" id="{E60DFFFF-5043-4993-CC4F-6699011D9997}"/>
+                <a16:creationId xmlns:a16="http://schemas.microsoft.com/office/drawing/2014/main" id="{CCF5E8C4-B835-BBAA-A5F6-3A0F50D2F738}"/>
               </a:ext>
             </a:extLst>
           </p:cNvPr>
@@ -1949,7 +1949,7 @@
           <a:bodyPr/>
           <a:lstStyle/>
           <a:p>
-            <a:fld id="{50BD1D63-B932-47A4-912C-20AF257E3569}" type="datetimeFigureOut">
+            <a:fld id="{80606E19-B9F6-4C64-8F9A-4574571C40DB}" type="datetimeFigureOut">
               <a:rPr lang="zh-CN" altLang="en-US" smtClean="0"/>
               <a:t>2024/3/10</a:t>
             </a:fld>
@@ -1962,7 +1962,7 @@
           <p:cNvPr id="4" name="页脚占位符 3">
             <a:extLst>
               <a:ext uri="{FF2B5EF4-FFF2-40B4-BE49-F238E27FC236}">
-                <a16:creationId xmlns:a16="http://schemas.microsoft.com/office/drawing/2014/main" id="{F283C05A-0F3B-7441-9D82-F9E7130C4692}"/>
+                <a16:creationId xmlns:a16="http://schemas.microsoft.com/office/drawing/2014/main" id="{158FE670-3A73-B004-3B0A-96529E3F9FA0}"/>
               </a:ext>
             </a:extLst>
           </p:cNvPr>
@@ -1987,7 +1987,7 @@
           <p:cNvPr id="5" name="灯片编号占位符 4">
             <a:extLst>
               <a:ext uri="{FF2B5EF4-FFF2-40B4-BE49-F238E27FC236}">
-                <a16:creationId xmlns:a16="http://schemas.microsoft.com/office/drawing/2014/main" id="{8AB694E4-76A3-868D-DB54-C6CB86DEF95D}"/>
+                <a16:creationId xmlns:a16="http://schemas.microsoft.com/office/drawing/2014/main" id="{18C41859-AF3E-7117-F098-6DAA59236DA4}"/>
               </a:ext>
             </a:extLst>
           </p:cNvPr>
@@ -2003,7 +2003,7 @@
           <a:bodyPr/>
           <a:lstStyle/>
           <a:p>
-            <a:fld id="{23E8419D-F669-4906-84D1-92836ED048BD}" type="slidenum">
+            <a:fld id="{8ED5831E-7DF1-486A-B6A3-D53BE923FB2F}" type="slidenum">
               <a:rPr lang="zh-CN" altLang="en-US" smtClean="0"/>
               <a:t>‹#›</a:t>
             </a:fld>
@@ -2014,7 +2014,7 @@
     </p:spTree>
     <p:extLst>
       <p:ext uri="{BB962C8B-B14F-4D97-AF65-F5344CB8AC3E}">
-        <p14:creationId xmlns:p14="http://schemas.microsoft.com/office/powerpoint/2010/main" val="3507117177"/>
+        <p14:creationId xmlns:p14="http://schemas.microsoft.com/office/powerpoint/2010/main" val="1413698705"/>
       </p:ext>
     </p:extLst>
   </p:cSld>
@@ -2046,7 +2046,7 @@
           <p:cNvPr id="2" name="日期占位符 1">
             <a:extLst>
               <a:ext uri="{FF2B5EF4-FFF2-40B4-BE49-F238E27FC236}">
-                <a16:creationId xmlns:a16="http://schemas.microsoft.com/office/drawing/2014/main" id="{90FD2353-612B-0484-D1EF-845A4B9F05A1}"/>
+                <a16:creationId xmlns:a16="http://schemas.microsoft.com/office/drawing/2014/main" id="{E094DA75-C3D5-8A07-4F58-905BC623588B}"/>
               </a:ext>
             </a:extLst>
           </p:cNvPr>
@@ -2062,7 +2062,7 @@
           <a:bodyPr/>
           <a:lstStyle/>
           <a:p>
-            <a:fld id="{50BD1D63-B932-47A4-912C-20AF257E3569}" type="datetimeFigureOut">
+            <a:fld id="{80606E19-B9F6-4C64-8F9A-4574571C40DB}" type="datetimeFigureOut">
               <a:rPr lang="zh-CN" altLang="en-US" smtClean="0"/>
               <a:t>2024/3/10</a:t>
             </a:fld>
@@ -2075,7 +2075,7 @@
           <p:cNvPr id="3" name="页脚占位符 2">
             <a:extLst>
               <a:ext uri="{FF2B5EF4-FFF2-40B4-BE49-F238E27FC236}">
-                <a16:creationId xmlns:a16="http://schemas.microsoft.com/office/drawing/2014/main" id="{33997187-6C15-52FD-7A79-F52480FBFA87}"/>
+                <a16:creationId xmlns:a16="http://schemas.microsoft.com/office/drawing/2014/main" id="{6CD46F58-37DF-4409-9B27-2233C45213C6}"/>
               </a:ext>
             </a:extLst>
           </p:cNvPr>
@@ -2100,7 +2100,7 @@
           <p:cNvPr id="4" name="灯片编号占位符 3">
             <a:extLst>
               <a:ext uri="{FF2B5EF4-FFF2-40B4-BE49-F238E27FC236}">
-                <a16:creationId xmlns:a16="http://schemas.microsoft.com/office/drawing/2014/main" id="{4D7A8925-7760-35F7-198D-BCBAD3C4FB43}"/>
+                <a16:creationId xmlns:a16="http://schemas.microsoft.com/office/drawing/2014/main" id="{C494F41D-83A0-6AEB-2186-C75FB8B17339}"/>
               </a:ext>
             </a:extLst>
           </p:cNvPr>
@@ -2116,7 +2116,7 @@
           <a:bodyPr/>
           <a:lstStyle/>
           <a:p>
-            <a:fld id="{23E8419D-F669-4906-84D1-92836ED048BD}" type="slidenum">
+            <a:fld id="{8ED5831E-7DF1-486A-B6A3-D53BE923FB2F}" type="slidenum">
               <a:rPr lang="zh-CN" altLang="en-US" smtClean="0"/>
               <a:t>‹#›</a:t>
             </a:fld>
@@ -2127,7 +2127,7 @@
     </p:spTree>
     <p:extLst>
       <p:ext uri="{BB962C8B-B14F-4D97-AF65-F5344CB8AC3E}">
-        <p14:creationId xmlns:p14="http://schemas.microsoft.com/office/powerpoint/2010/main" val="2905448276"/>
+        <p14:creationId xmlns:p14="http://schemas.microsoft.com/office/powerpoint/2010/main" val="3950272783"/>
       </p:ext>
     </p:extLst>
   </p:cSld>
@@ -2159,7 +2159,7 @@
           <p:cNvPr id="2" name="标题 1">
             <a:extLst>
               <a:ext uri="{FF2B5EF4-FFF2-40B4-BE49-F238E27FC236}">
-                <a16:creationId xmlns:a16="http://schemas.microsoft.com/office/drawing/2014/main" id="{53450818-9080-E460-C2F3-5BF1A30301A3}"/>
+                <a16:creationId xmlns:a16="http://schemas.microsoft.com/office/drawing/2014/main" id="{40BBF205-9424-F2A4-1C98-B217C3878067}"/>
               </a:ext>
             </a:extLst>
           </p:cNvPr>
@@ -2196,7 +2196,7 @@
           <p:cNvPr id="3" name="内容占位符 2">
             <a:extLst>
               <a:ext uri="{FF2B5EF4-FFF2-40B4-BE49-F238E27FC236}">
-                <a16:creationId xmlns:a16="http://schemas.microsoft.com/office/drawing/2014/main" id="{422506E4-2CA7-D070-FA2A-5544B7D91E2E}"/>
+                <a16:creationId xmlns:a16="http://schemas.microsoft.com/office/drawing/2014/main" id="{C9854E90-FFC8-B10A-F3A7-DF52B1884AB2}"/>
               </a:ext>
             </a:extLst>
           </p:cNvPr>
@@ -2286,7 +2286,7 @@
           <p:cNvPr id="4" name="文本占位符 3">
             <a:extLst>
               <a:ext uri="{FF2B5EF4-FFF2-40B4-BE49-F238E27FC236}">
-                <a16:creationId xmlns:a16="http://schemas.microsoft.com/office/drawing/2014/main" id="{50CA639C-0C7B-1120-4C7F-ED8DE48CE51F}"/>
+                <a16:creationId xmlns:a16="http://schemas.microsoft.com/office/drawing/2014/main" id="{117D169F-1C8D-71DC-5D4B-11D90D399AD5}"/>
               </a:ext>
             </a:extLst>
           </p:cNvPr>
@@ -2357,7 +2357,7 @@
           <p:cNvPr id="5" name="日期占位符 4">
             <a:extLst>
               <a:ext uri="{FF2B5EF4-FFF2-40B4-BE49-F238E27FC236}">
-                <a16:creationId xmlns:a16="http://schemas.microsoft.com/office/drawing/2014/main" id="{987BA4A3-9C6A-CF30-E781-316BE474574C}"/>
+                <a16:creationId xmlns:a16="http://schemas.microsoft.com/office/drawing/2014/main" id="{06362A84-DCF5-D51A-6B3D-75198C1EA435}"/>
               </a:ext>
             </a:extLst>
           </p:cNvPr>
@@ -2373,7 +2373,7 @@
           <a:bodyPr/>
           <a:lstStyle/>
           <a:p>
-            <a:fld id="{50BD1D63-B932-47A4-912C-20AF257E3569}" type="datetimeFigureOut">
+            <a:fld id="{80606E19-B9F6-4C64-8F9A-4574571C40DB}" type="datetimeFigureOut">
               <a:rPr lang="zh-CN" altLang="en-US" smtClean="0"/>
               <a:t>2024/3/10</a:t>
             </a:fld>
@@ -2386,7 +2386,7 @@
           <p:cNvPr id="6" name="页脚占位符 5">
             <a:extLst>
               <a:ext uri="{FF2B5EF4-FFF2-40B4-BE49-F238E27FC236}">
-                <a16:creationId xmlns:a16="http://schemas.microsoft.com/office/drawing/2014/main" id="{88B2FA6F-A083-8225-A06E-453A1E67CAD1}"/>
+                <a16:creationId xmlns:a16="http://schemas.microsoft.com/office/drawing/2014/main" id="{50CDBBDD-47A1-00CC-74DB-269A59F13A74}"/>
               </a:ext>
             </a:extLst>
           </p:cNvPr>
@@ -2411,7 +2411,7 @@
           <p:cNvPr id="7" name="灯片编号占位符 6">
             <a:extLst>
               <a:ext uri="{FF2B5EF4-FFF2-40B4-BE49-F238E27FC236}">
-                <a16:creationId xmlns:a16="http://schemas.microsoft.com/office/drawing/2014/main" id="{1C3E812E-186F-F171-5F60-A26A04BFA540}"/>
+                <a16:creationId xmlns:a16="http://schemas.microsoft.com/office/drawing/2014/main" id="{E42D9882-EB61-1ECA-D3EE-CD99ED1E81E9}"/>
               </a:ext>
             </a:extLst>
           </p:cNvPr>
@@ -2427,7 +2427,7 @@
           <a:bodyPr/>
           <a:lstStyle/>
           <a:p>
-            <a:fld id="{23E8419D-F669-4906-84D1-92836ED048BD}" type="slidenum">
+            <a:fld id="{8ED5831E-7DF1-486A-B6A3-D53BE923FB2F}" type="slidenum">
               <a:rPr lang="zh-CN" altLang="en-US" smtClean="0"/>
               <a:t>‹#›</a:t>
             </a:fld>
@@ -2438,7 +2438,7 @@
     </p:spTree>
     <p:extLst>
       <p:ext uri="{BB962C8B-B14F-4D97-AF65-F5344CB8AC3E}">
-        <p14:creationId xmlns:p14="http://schemas.microsoft.com/office/powerpoint/2010/main" val="1544381699"/>
+        <p14:creationId xmlns:p14="http://schemas.microsoft.com/office/powerpoint/2010/main" val="4139952403"/>
       </p:ext>
     </p:extLst>
   </p:cSld>
@@ -2470,7 +2470,7 @@
           <p:cNvPr id="2" name="标题 1">
             <a:extLst>
               <a:ext uri="{FF2B5EF4-FFF2-40B4-BE49-F238E27FC236}">
-                <a16:creationId xmlns:a16="http://schemas.microsoft.com/office/drawing/2014/main" id="{A1EECBDD-B3F1-5CA7-6036-F9ACA3C80401}"/>
+                <a16:creationId xmlns:a16="http://schemas.microsoft.com/office/drawing/2014/main" id="{E1FE7389-9759-9484-8DF2-15C3D8CD6503}"/>
               </a:ext>
             </a:extLst>
           </p:cNvPr>
@@ -2507,7 +2507,7 @@
           <p:cNvPr id="3" name="图片占位符 2">
             <a:extLst>
               <a:ext uri="{FF2B5EF4-FFF2-40B4-BE49-F238E27FC236}">
-                <a16:creationId xmlns:a16="http://schemas.microsoft.com/office/drawing/2014/main" id="{B15F6639-7C9A-F879-30FF-672B00275F80}"/>
+                <a16:creationId xmlns:a16="http://schemas.microsoft.com/office/drawing/2014/main" id="{8AAD0C5C-81B0-732F-ECC0-F6A009BAE129}"/>
               </a:ext>
             </a:extLst>
           </p:cNvPr>
@@ -2574,7 +2574,7 @@
           <p:cNvPr id="4" name="文本占位符 3">
             <a:extLst>
               <a:ext uri="{FF2B5EF4-FFF2-40B4-BE49-F238E27FC236}">
-                <a16:creationId xmlns:a16="http://schemas.microsoft.com/office/drawing/2014/main" id="{F557A704-043D-6B7A-CC7F-D8A46F17E5AE}"/>
+                <a16:creationId xmlns:a16="http://schemas.microsoft.com/office/drawing/2014/main" id="{36E0E0C7-9790-A1B4-BC43-FB8234267D13}"/>
               </a:ext>
             </a:extLst>
           </p:cNvPr>
@@ -2645,7 +2645,7 @@
           <p:cNvPr id="5" name="日期占位符 4">
             <a:extLst>
               <a:ext uri="{FF2B5EF4-FFF2-40B4-BE49-F238E27FC236}">
-                <a16:creationId xmlns:a16="http://schemas.microsoft.com/office/drawing/2014/main" id="{4F84B04F-5357-117A-63A6-88C13CE06645}"/>
+                <a16:creationId xmlns:a16="http://schemas.microsoft.com/office/drawing/2014/main" id="{E358181B-4477-A81D-BEE7-A7447E514EFE}"/>
               </a:ext>
             </a:extLst>
           </p:cNvPr>
@@ -2661,7 +2661,7 @@
           <a:bodyPr/>
           <a:lstStyle/>
           <a:p>
-            <a:fld id="{50BD1D63-B932-47A4-912C-20AF257E3569}" type="datetimeFigureOut">
+            <a:fld id="{80606E19-B9F6-4C64-8F9A-4574571C40DB}" type="datetimeFigureOut">
               <a:rPr lang="zh-CN" altLang="en-US" smtClean="0"/>
               <a:t>2024/3/10</a:t>
             </a:fld>
@@ -2674,7 +2674,7 @@
           <p:cNvPr id="6" name="页脚占位符 5">
             <a:extLst>
               <a:ext uri="{FF2B5EF4-FFF2-40B4-BE49-F238E27FC236}">
-                <a16:creationId xmlns:a16="http://schemas.microsoft.com/office/drawing/2014/main" id="{6C1575E5-CACC-39EC-AF76-1F326C593D5A}"/>
+                <a16:creationId xmlns:a16="http://schemas.microsoft.com/office/drawing/2014/main" id="{58CA0484-AF5B-54B6-024F-F7F268E90472}"/>
               </a:ext>
             </a:extLst>
           </p:cNvPr>
@@ -2699,7 +2699,7 @@
           <p:cNvPr id="7" name="灯片编号占位符 6">
             <a:extLst>
               <a:ext uri="{FF2B5EF4-FFF2-40B4-BE49-F238E27FC236}">
-                <a16:creationId xmlns:a16="http://schemas.microsoft.com/office/drawing/2014/main" id="{7DF67834-E79B-80BF-5006-29C8E32C42F5}"/>
+                <a16:creationId xmlns:a16="http://schemas.microsoft.com/office/drawing/2014/main" id="{1178D5EF-0369-98C3-6920-15303A1CCE6A}"/>
               </a:ext>
             </a:extLst>
           </p:cNvPr>
@@ -2715,7 +2715,7 @@
           <a:bodyPr/>
           <a:lstStyle/>
           <a:p>
-            <a:fld id="{23E8419D-F669-4906-84D1-92836ED048BD}" type="slidenum">
+            <a:fld id="{8ED5831E-7DF1-486A-B6A3-D53BE923FB2F}" type="slidenum">
               <a:rPr lang="zh-CN" altLang="en-US" smtClean="0"/>
               <a:t>‹#›</a:t>
             </a:fld>
@@ -2726,7 +2726,7 @@
     </p:spTree>
     <p:extLst>
       <p:ext uri="{BB962C8B-B14F-4D97-AF65-F5344CB8AC3E}">
-        <p14:creationId xmlns:p14="http://schemas.microsoft.com/office/powerpoint/2010/main" val="459561400"/>
+        <p14:creationId xmlns:p14="http://schemas.microsoft.com/office/powerpoint/2010/main" val="2821369459"/>
       </p:ext>
     </p:extLst>
   </p:cSld>
@@ -2763,7 +2763,7 @@
           <p:cNvPr id="2" name="标题占位符 1">
             <a:extLst>
               <a:ext uri="{FF2B5EF4-FFF2-40B4-BE49-F238E27FC236}">
-                <a16:creationId xmlns:a16="http://schemas.microsoft.com/office/drawing/2014/main" id="{F8460C42-0002-B330-3774-EDC3DD270CD3}"/>
+                <a16:creationId xmlns:a16="http://schemas.microsoft.com/office/drawing/2014/main" id="{959A9133-6D32-B945-6B12-0539BADADBBD}"/>
               </a:ext>
             </a:extLst>
           </p:cNvPr>
@@ -2801,7 +2801,7 @@
           <p:cNvPr id="3" name="文本占位符 2">
             <a:extLst>
               <a:ext uri="{FF2B5EF4-FFF2-40B4-BE49-F238E27FC236}">
-                <a16:creationId xmlns:a16="http://schemas.microsoft.com/office/drawing/2014/main" id="{46299491-F2CB-305B-F27F-4FC4C581453D}"/>
+                <a16:creationId xmlns:a16="http://schemas.microsoft.com/office/drawing/2014/main" id="{8BA62C88-B469-F7AC-CD9C-E2A80D1339D9}"/>
               </a:ext>
             </a:extLst>
           </p:cNvPr>
@@ -2868,7 +2868,7 @@
           <p:cNvPr id="4" name="日期占位符 3">
             <a:extLst>
               <a:ext uri="{FF2B5EF4-FFF2-40B4-BE49-F238E27FC236}">
-                <a16:creationId xmlns:a16="http://schemas.microsoft.com/office/drawing/2014/main" id="{7A8CC916-9305-7B16-AFAB-A88EE102C1E5}"/>
+                <a16:creationId xmlns:a16="http://schemas.microsoft.com/office/drawing/2014/main" id="{729BEE7C-3042-F689-52AC-DF50C9D91A69}"/>
               </a:ext>
             </a:extLst>
           </p:cNvPr>
@@ -2902,7 +2902,7 @@
             </a:lvl1pPr>
           </a:lstStyle>
           <a:p>
-            <a:fld id="{50BD1D63-B932-47A4-912C-20AF257E3569}" type="datetimeFigureOut">
+            <a:fld id="{80606E19-B9F6-4C64-8F9A-4574571C40DB}" type="datetimeFigureOut">
               <a:rPr lang="zh-CN" altLang="en-US" smtClean="0"/>
               <a:t>2024/3/10</a:t>
             </a:fld>
@@ -2915,7 +2915,7 @@
           <p:cNvPr id="5" name="页脚占位符 4">
             <a:extLst>
               <a:ext uri="{FF2B5EF4-FFF2-40B4-BE49-F238E27FC236}">
-                <a16:creationId xmlns:a16="http://schemas.microsoft.com/office/drawing/2014/main" id="{CDC96FBB-07DF-E699-EAFB-ADC6E7BADEC0}"/>
+                <a16:creationId xmlns:a16="http://schemas.microsoft.com/office/drawing/2014/main" id="{2F261762-A9BF-4EE7-17B7-FA3947975EC5}"/>
               </a:ext>
             </a:extLst>
           </p:cNvPr>
@@ -2958,7 +2958,7 @@
           <p:cNvPr id="6" name="灯片编号占位符 5">
             <a:extLst>
               <a:ext uri="{FF2B5EF4-FFF2-40B4-BE49-F238E27FC236}">
-                <a16:creationId xmlns:a16="http://schemas.microsoft.com/office/drawing/2014/main" id="{29AAA543-9AEA-0EF1-87FA-B72BD509A4A7}"/>
+                <a16:creationId xmlns:a16="http://schemas.microsoft.com/office/drawing/2014/main" id="{D0A254B9-F534-48F5-54EF-A466776CF3C2}"/>
               </a:ext>
             </a:extLst>
           </p:cNvPr>
@@ -2992,7 +2992,7 @@
             </a:lvl1pPr>
           </a:lstStyle>
           <a:p>
-            <a:fld id="{23E8419D-F669-4906-84D1-92836ED048BD}" type="slidenum">
+            <a:fld id="{8ED5831E-7DF1-486A-B6A3-D53BE923FB2F}" type="slidenum">
               <a:rPr lang="zh-CN" altLang="en-US" smtClean="0"/>
               <a:t>‹#›</a:t>
             </a:fld>
@@ -3003,7 +3003,7 @@
     </p:spTree>
     <p:extLst>
       <p:ext uri="{BB962C8B-B14F-4D97-AF65-F5344CB8AC3E}">
-        <p14:creationId xmlns:p14="http://schemas.microsoft.com/office/powerpoint/2010/main" val="2106942924"/>
+        <p14:creationId xmlns:p14="http://schemas.microsoft.com/office/powerpoint/2010/main" val="3224395819"/>
       </p:ext>
     </p:extLst>
   </p:cSld>
